--- a/public/assets/SC/5- FC-SC/FC-SC-4101 Responsable Sanitario.pptx
+++ b/public/assets/SC/5- FC-SC/FC-SC-4101 Responsable Sanitario.pptx
@@ -229,7 +229,7 @@
           <a:p>
             <a:fld id="{C2CC7DF8-0F71-4354-86B4-61434162F18A}" type="datetimeFigureOut">
               <a:rPr lang="es-MX" smtClean="0"/>
-              <a:t>14/08/2020</a:t>
+              <a:t>24/01/2022</a:t>
             </a:fld>
             <a:endParaRPr lang="es-MX"/>
           </a:p>
@@ -394,7 +394,7 @@
           <a:p>
             <a:fld id="{D1608416-1C3E-4635-8290-9CCA21519444}" type="datetimeFigureOut">
               <a:rPr lang="es-MX" smtClean="0"/>
-              <a:t>14/08/2020</a:t>
+              <a:t>24/01/2022</a:t>
             </a:fld>
             <a:endParaRPr lang="es-MX"/>
           </a:p>
@@ -458,35 +458,35 @@
           <a:p>
             <a:pPr lvl="0"/>
             <a:r>
-              <a:rPr lang="es-ES" smtClean="0"/>
+              <a:rPr lang="es-ES"/>
               <a:t>Haga clic para modificar el estilo de texto del patrón</a:t>
             </a:r>
           </a:p>
           <a:p>
             <a:pPr lvl="1"/>
             <a:r>
-              <a:rPr lang="es-ES" smtClean="0"/>
+              <a:rPr lang="es-ES"/>
               <a:t>Segundo nivel</a:t>
             </a:r>
           </a:p>
           <a:p>
             <a:pPr lvl="2"/>
             <a:r>
-              <a:rPr lang="es-ES" smtClean="0"/>
+              <a:rPr lang="es-ES"/>
               <a:t>Tercer nivel</a:t>
             </a:r>
           </a:p>
           <a:p>
             <a:pPr lvl="3"/>
             <a:r>
-              <a:rPr lang="es-ES" smtClean="0"/>
+              <a:rPr lang="es-ES"/>
               <a:t>Cuarto nivel</a:t>
             </a:r>
           </a:p>
           <a:p>
             <a:pPr lvl="4"/>
             <a:r>
-              <a:rPr lang="es-ES" smtClean="0"/>
+              <a:rPr lang="es-ES"/>
               <a:t>Quinto nivel</a:t>
             </a:r>
             <a:endParaRPr lang="es-MX"/>
@@ -788,7 +788,7 @@
           </a:lstStyle>
           <a:p>
             <a:r>
-              <a:rPr lang="es-ES" smtClean="0"/>
+              <a:rPr lang="es-ES"/>
               <a:t>Haga clic para modificar el estilo de título del patrón</a:t>
             </a:r>
             <a:endParaRPr lang="es-MX"/>
@@ -853,7 +853,7 @@
           </a:lstStyle>
           <a:p>
             <a:r>
-              <a:rPr lang="es-ES" smtClean="0"/>
+              <a:rPr lang="es-ES"/>
               <a:t>Haga clic para modificar el estilo de subtítulo del patrón</a:t>
             </a:r>
             <a:endParaRPr lang="es-MX"/>
@@ -877,7 +877,7 @@
           <a:p>
             <a:fld id="{005BD863-90F7-46B4-97C8-ECF37E38BBEF}" type="datetimeFigureOut">
               <a:rPr lang="es-MX" smtClean="0"/>
-              <a:t>14/08/2020</a:t>
+              <a:t>24/01/2022</a:t>
             </a:fld>
             <a:endParaRPr lang="es-MX"/>
           </a:p>
@@ -971,7 +971,7 @@
           <a:lstStyle/>
           <a:p>
             <a:r>
-              <a:rPr lang="es-ES" smtClean="0"/>
+              <a:rPr lang="es-ES"/>
               <a:t>Haga clic para modificar el estilo de título del patrón</a:t>
             </a:r>
             <a:endParaRPr lang="es-MX"/>
@@ -995,35 +995,35 @@
           <a:p>
             <a:pPr lvl="0"/>
             <a:r>
-              <a:rPr lang="es-ES" smtClean="0"/>
+              <a:rPr lang="es-ES"/>
               <a:t>Haga clic para modificar el estilo de texto del patrón</a:t>
             </a:r>
           </a:p>
           <a:p>
             <a:pPr lvl="1"/>
             <a:r>
-              <a:rPr lang="es-ES" smtClean="0"/>
+              <a:rPr lang="es-ES"/>
               <a:t>Segundo nivel</a:t>
             </a:r>
           </a:p>
           <a:p>
             <a:pPr lvl="2"/>
             <a:r>
-              <a:rPr lang="es-ES" smtClean="0"/>
+              <a:rPr lang="es-ES"/>
               <a:t>Tercer nivel</a:t>
             </a:r>
           </a:p>
           <a:p>
             <a:pPr lvl="3"/>
             <a:r>
-              <a:rPr lang="es-ES" smtClean="0"/>
+              <a:rPr lang="es-ES"/>
               <a:t>Cuarto nivel</a:t>
             </a:r>
           </a:p>
           <a:p>
             <a:pPr lvl="4"/>
             <a:r>
-              <a:rPr lang="es-ES" smtClean="0"/>
+              <a:rPr lang="es-ES"/>
               <a:t>Quinto nivel</a:t>
             </a:r>
             <a:endParaRPr lang="es-MX"/>
@@ -1047,7 +1047,7 @@
           <a:p>
             <a:fld id="{005BD863-90F7-46B4-97C8-ECF37E38BBEF}" type="datetimeFigureOut">
               <a:rPr lang="es-MX" smtClean="0"/>
-              <a:t>14/08/2020</a:t>
+              <a:t>24/01/2022</a:t>
             </a:fld>
             <a:endParaRPr lang="es-MX"/>
           </a:p>
@@ -1146,7 +1146,7 @@
           <a:lstStyle/>
           <a:p>
             <a:r>
-              <a:rPr lang="es-ES" smtClean="0"/>
+              <a:rPr lang="es-ES"/>
               <a:t>Haga clic para modificar el estilo de título del patrón</a:t>
             </a:r>
             <a:endParaRPr lang="es-MX"/>
@@ -1175,35 +1175,35 @@
           <a:p>
             <a:pPr lvl="0"/>
             <a:r>
-              <a:rPr lang="es-ES" smtClean="0"/>
+              <a:rPr lang="es-ES"/>
               <a:t>Haga clic para modificar el estilo de texto del patrón</a:t>
             </a:r>
           </a:p>
           <a:p>
             <a:pPr lvl="1"/>
             <a:r>
-              <a:rPr lang="es-ES" smtClean="0"/>
+              <a:rPr lang="es-ES"/>
               <a:t>Segundo nivel</a:t>
             </a:r>
           </a:p>
           <a:p>
             <a:pPr lvl="2"/>
             <a:r>
-              <a:rPr lang="es-ES" smtClean="0"/>
+              <a:rPr lang="es-ES"/>
               <a:t>Tercer nivel</a:t>
             </a:r>
           </a:p>
           <a:p>
             <a:pPr lvl="3"/>
             <a:r>
-              <a:rPr lang="es-ES" smtClean="0"/>
+              <a:rPr lang="es-ES"/>
               <a:t>Cuarto nivel</a:t>
             </a:r>
           </a:p>
           <a:p>
             <a:pPr lvl="4"/>
             <a:r>
-              <a:rPr lang="es-ES" smtClean="0"/>
+              <a:rPr lang="es-ES"/>
               <a:t>Quinto nivel</a:t>
             </a:r>
             <a:endParaRPr lang="es-MX"/>
@@ -1227,7 +1227,7 @@
           <a:p>
             <a:fld id="{005BD863-90F7-46B4-97C8-ECF37E38BBEF}" type="datetimeFigureOut">
               <a:rPr lang="es-MX" smtClean="0"/>
-              <a:t>14/08/2020</a:t>
+              <a:t>24/01/2022</a:t>
             </a:fld>
             <a:endParaRPr lang="es-MX"/>
           </a:p>
@@ -1322,35 +1322,35 @@
           <a:p>
             <a:pPr lvl="0"/>
             <a:r>
-              <a:rPr lang="es-ES" smtClean="0"/>
+              <a:rPr lang="es-ES"/>
               <a:t>Haga clic para modificar el estilo de texto del patrón</a:t>
             </a:r>
           </a:p>
           <a:p>
             <a:pPr lvl="1"/>
             <a:r>
-              <a:rPr lang="es-ES" smtClean="0"/>
+              <a:rPr lang="es-ES"/>
               <a:t>Segundo nivel</a:t>
             </a:r>
           </a:p>
           <a:p>
             <a:pPr lvl="2"/>
             <a:r>
-              <a:rPr lang="es-ES" smtClean="0"/>
+              <a:rPr lang="es-ES"/>
               <a:t>Tercer nivel</a:t>
             </a:r>
           </a:p>
           <a:p>
             <a:pPr lvl="3"/>
             <a:r>
-              <a:rPr lang="es-ES" smtClean="0"/>
+              <a:rPr lang="es-ES"/>
               <a:t>Cuarto nivel</a:t>
             </a:r>
           </a:p>
           <a:p>
             <a:pPr lvl="4"/>
             <a:r>
-              <a:rPr lang="es-ES" smtClean="0"/>
+              <a:rPr lang="es-ES"/>
               <a:t>Quinto nivel</a:t>
             </a:r>
             <a:endParaRPr lang="es-MX"/>
@@ -1462,7 +1462,7 @@
           <a:p>
             <a:pPr algn="r"/>
             <a:r>
-              <a:rPr lang="es-MX" sz="2400" b="1" i="1" dirty="0" smtClean="0">
+              <a:rPr lang="es-MX" sz="2400" b="1" i="1" dirty="0">
                 <a:solidFill>
                   <a:srgbClr val="A50021"/>
                 </a:solidFill>
@@ -1470,12 +1470,6 @@
               </a:rPr>
               <a:t>Servicios para la Ciencia</a:t>
             </a:r>
-            <a:endParaRPr lang="es-MX" sz="2400" b="1" i="1" dirty="0">
-              <a:solidFill>
-                <a:srgbClr val="A50021"/>
-              </a:solidFill>
-              <a:latin typeface="+mn-lt"/>
-            </a:endParaRPr>
           </a:p>
         </p:txBody>
       </p:sp>
@@ -1534,7 +1528,7 @@
           </a:lstStyle>
           <a:p>
             <a:r>
-              <a:rPr lang="es-ES" smtClean="0"/>
+              <a:rPr lang="es-ES"/>
               <a:t>Haga clic para modificar el estilo de título del patrón</a:t>
             </a:r>
             <a:endParaRPr lang="es-MX"/>
@@ -1654,7 +1648,7 @@
           <a:p>
             <a:pPr lvl="0"/>
             <a:r>
-              <a:rPr lang="es-ES" smtClean="0"/>
+              <a:rPr lang="es-ES"/>
               <a:t>Haga clic para modificar el estilo de texto del patrón</a:t>
             </a:r>
           </a:p>
@@ -1677,7 +1671,7 @@
           <a:p>
             <a:fld id="{005BD863-90F7-46B4-97C8-ECF37E38BBEF}" type="datetimeFigureOut">
               <a:rPr lang="es-MX" smtClean="0"/>
-              <a:t>14/08/2020</a:t>
+              <a:t>24/01/2022</a:t>
             </a:fld>
             <a:endParaRPr lang="es-MX"/>
           </a:p>
@@ -1771,7 +1765,7 @@
           <a:lstStyle/>
           <a:p>
             <a:r>
-              <a:rPr lang="es-ES" smtClean="0"/>
+              <a:rPr lang="es-ES"/>
               <a:t>Haga clic para modificar el estilo de título del patrón</a:t>
             </a:r>
             <a:endParaRPr lang="es-MX"/>
@@ -1800,35 +1794,35 @@
           <a:p>
             <a:pPr lvl="0"/>
             <a:r>
-              <a:rPr lang="es-ES" smtClean="0"/>
+              <a:rPr lang="es-ES"/>
               <a:t>Haga clic para modificar el estilo de texto del patrón</a:t>
             </a:r>
           </a:p>
           <a:p>
             <a:pPr lvl="1"/>
             <a:r>
-              <a:rPr lang="es-ES" smtClean="0"/>
+              <a:rPr lang="es-ES"/>
               <a:t>Segundo nivel</a:t>
             </a:r>
           </a:p>
           <a:p>
             <a:pPr lvl="2"/>
             <a:r>
-              <a:rPr lang="es-ES" smtClean="0"/>
+              <a:rPr lang="es-ES"/>
               <a:t>Tercer nivel</a:t>
             </a:r>
           </a:p>
           <a:p>
             <a:pPr lvl="3"/>
             <a:r>
-              <a:rPr lang="es-ES" smtClean="0"/>
+              <a:rPr lang="es-ES"/>
               <a:t>Cuarto nivel</a:t>
             </a:r>
           </a:p>
           <a:p>
             <a:pPr lvl="4"/>
             <a:r>
-              <a:rPr lang="es-ES" smtClean="0"/>
+              <a:rPr lang="es-ES"/>
               <a:t>Quinto nivel</a:t>
             </a:r>
             <a:endParaRPr lang="es-MX"/>
@@ -1857,35 +1851,35 @@
           <a:p>
             <a:pPr lvl="0"/>
             <a:r>
-              <a:rPr lang="es-ES" smtClean="0"/>
+              <a:rPr lang="es-ES"/>
               <a:t>Haga clic para modificar el estilo de texto del patrón</a:t>
             </a:r>
           </a:p>
           <a:p>
             <a:pPr lvl="1"/>
             <a:r>
-              <a:rPr lang="es-ES" smtClean="0"/>
+              <a:rPr lang="es-ES"/>
               <a:t>Segundo nivel</a:t>
             </a:r>
           </a:p>
           <a:p>
             <a:pPr lvl="2"/>
             <a:r>
-              <a:rPr lang="es-ES" smtClean="0"/>
+              <a:rPr lang="es-ES"/>
               <a:t>Tercer nivel</a:t>
             </a:r>
           </a:p>
           <a:p>
             <a:pPr lvl="3"/>
             <a:r>
-              <a:rPr lang="es-ES" smtClean="0"/>
+              <a:rPr lang="es-ES"/>
               <a:t>Cuarto nivel</a:t>
             </a:r>
           </a:p>
           <a:p>
             <a:pPr lvl="4"/>
             <a:r>
-              <a:rPr lang="es-ES" smtClean="0"/>
+              <a:rPr lang="es-ES"/>
               <a:t>Quinto nivel</a:t>
             </a:r>
             <a:endParaRPr lang="es-MX"/>
@@ -1909,7 +1903,7 @@
           <a:p>
             <a:fld id="{005BD863-90F7-46B4-97C8-ECF37E38BBEF}" type="datetimeFigureOut">
               <a:rPr lang="es-MX" smtClean="0"/>
-              <a:t>14/08/2020</a:t>
+              <a:t>24/01/2022</a:t>
             </a:fld>
             <a:endParaRPr lang="es-MX"/>
           </a:p>
@@ -2008,7 +2002,7 @@
           <a:lstStyle/>
           <a:p>
             <a:r>
-              <a:rPr lang="es-ES" smtClean="0"/>
+              <a:rPr lang="es-ES"/>
               <a:t>Haga clic para modificar el estilo de título del patrón</a:t>
             </a:r>
             <a:endParaRPr lang="es-MX"/>
@@ -2074,7 +2068,7 @@
           <a:p>
             <a:pPr lvl="0"/>
             <a:r>
-              <a:rPr lang="es-ES" smtClean="0"/>
+              <a:rPr lang="es-ES"/>
               <a:t>Haga clic para modificar el estilo de texto del patrón</a:t>
             </a:r>
           </a:p>
@@ -2102,35 +2096,35 @@
           <a:p>
             <a:pPr lvl="0"/>
             <a:r>
-              <a:rPr lang="es-ES" smtClean="0"/>
+              <a:rPr lang="es-ES"/>
               <a:t>Haga clic para modificar el estilo de texto del patrón</a:t>
             </a:r>
           </a:p>
           <a:p>
             <a:pPr lvl="1"/>
             <a:r>
-              <a:rPr lang="es-ES" smtClean="0"/>
+              <a:rPr lang="es-ES"/>
               <a:t>Segundo nivel</a:t>
             </a:r>
           </a:p>
           <a:p>
             <a:pPr lvl="2"/>
             <a:r>
-              <a:rPr lang="es-ES" smtClean="0"/>
+              <a:rPr lang="es-ES"/>
               <a:t>Tercer nivel</a:t>
             </a:r>
           </a:p>
           <a:p>
             <a:pPr lvl="3"/>
             <a:r>
-              <a:rPr lang="es-ES" smtClean="0"/>
+              <a:rPr lang="es-ES"/>
               <a:t>Cuarto nivel</a:t>
             </a:r>
           </a:p>
           <a:p>
             <a:pPr lvl="4"/>
             <a:r>
-              <a:rPr lang="es-ES" smtClean="0"/>
+              <a:rPr lang="es-ES"/>
               <a:t>Quinto nivel</a:t>
             </a:r>
             <a:endParaRPr lang="es-MX"/>
@@ -2196,7 +2190,7 @@
           <a:p>
             <a:pPr lvl="0"/>
             <a:r>
-              <a:rPr lang="es-ES" smtClean="0"/>
+              <a:rPr lang="es-ES"/>
               <a:t>Haga clic para modificar el estilo de texto del patrón</a:t>
             </a:r>
           </a:p>
@@ -2224,35 +2218,35 @@
           <a:p>
             <a:pPr lvl="0"/>
             <a:r>
-              <a:rPr lang="es-ES" smtClean="0"/>
+              <a:rPr lang="es-ES"/>
               <a:t>Haga clic para modificar el estilo de texto del patrón</a:t>
             </a:r>
           </a:p>
           <a:p>
             <a:pPr lvl="1"/>
             <a:r>
-              <a:rPr lang="es-ES" smtClean="0"/>
+              <a:rPr lang="es-ES"/>
               <a:t>Segundo nivel</a:t>
             </a:r>
           </a:p>
           <a:p>
             <a:pPr lvl="2"/>
             <a:r>
-              <a:rPr lang="es-ES" smtClean="0"/>
+              <a:rPr lang="es-ES"/>
               <a:t>Tercer nivel</a:t>
             </a:r>
           </a:p>
           <a:p>
             <a:pPr lvl="3"/>
             <a:r>
-              <a:rPr lang="es-ES" smtClean="0"/>
+              <a:rPr lang="es-ES"/>
               <a:t>Cuarto nivel</a:t>
             </a:r>
           </a:p>
           <a:p>
             <a:pPr lvl="4"/>
             <a:r>
-              <a:rPr lang="es-ES" smtClean="0"/>
+              <a:rPr lang="es-ES"/>
               <a:t>Quinto nivel</a:t>
             </a:r>
             <a:endParaRPr lang="es-MX"/>
@@ -2276,7 +2270,7 @@
           <a:p>
             <a:fld id="{005BD863-90F7-46B4-97C8-ECF37E38BBEF}" type="datetimeFigureOut">
               <a:rPr lang="es-MX" smtClean="0"/>
-              <a:t>14/08/2020</a:t>
+              <a:t>24/01/2022</a:t>
             </a:fld>
             <a:endParaRPr lang="es-MX"/>
           </a:p>
@@ -2370,7 +2364,7 @@
           <a:lstStyle/>
           <a:p>
             <a:r>
-              <a:rPr lang="es-ES" smtClean="0"/>
+              <a:rPr lang="es-ES"/>
               <a:t>Haga clic para modificar el estilo de título del patrón</a:t>
             </a:r>
             <a:endParaRPr lang="es-MX"/>
@@ -2394,7 +2388,7 @@
           <a:p>
             <a:fld id="{005BD863-90F7-46B4-97C8-ECF37E38BBEF}" type="datetimeFigureOut">
               <a:rPr lang="es-MX" smtClean="0"/>
-              <a:t>14/08/2020</a:t>
+              <a:t>24/01/2022</a:t>
             </a:fld>
             <a:endParaRPr lang="es-MX"/>
           </a:p>
@@ -2489,7 +2483,7 @@
           <a:p>
             <a:fld id="{005BD863-90F7-46B4-97C8-ECF37E38BBEF}" type="datetimeFigureOut">
               <a:rPr lang="es-MX" smtClean="0"/>
-              <a:t>14/08/2020</a:t>
+              <a:t>24/01/2022</a:t>
             </a:fld>
             <a:endParaRPr lang="es-MX"/>
           </a:p>
@@ -2592,7 +2586,7 @@
           </a:lstStyle>
           <a:p>
             <a:r>
-              <a:rPr lang="es-ES" smtClean="0"/>
+              <a:rPr lang="es-ES"/>
               <a:t>Haga clic para modificar el estilo de título del patrón</a:t>
             </a:r>
             <a:endParaRPr lang="es-MX"/>
@@ -2649,35 +2643,35 @@
           <a:p>
             <a:pPr lvl="0"/>
             <a:r>
-              <a:rPr lang="es-ES" smtClean="0"/>
+              <a:rPr lang="es-ES"/>
               <a:t>Haga clic para modificar el estilo de texto del patrón</a:t>
             </a:r>
           </a:p>
           <a:p>
             <a:pPr lvl="1"/>
             <a:r>
-              <a:rPr lang="es-ES" smtClean="0"/>
+              <a:rPr lang="es-ES"/>
               <a:t>Segundo nivel</a:t>
             </a:r>
           </a:p>
           <a:p>
             <a:pPr lvl="2"/>
             <a:r>
-              <a:rPr lang="es-ES" smtClean="0"/>
+              <a:rPr lang="es-ES"/>
               <a:t>Tercer nivel</a:t>
             </a:r>
           </a:p>
           <a:p>
             <a:pPr lvl="3"/>
             <a:r>
-              <a:rPr lang="es-ES" smtClean="0"/>
+              <a:rPr lang="es-ES"/>
               <a:t>Cuarto nivel</a:t>
             </a:r>
           </a:p>
           <a:p>
             <a:pPr lvl="4"/>
             <a:r>
-              <a:rPr lang="es-ES" smtClean="0"/>
+              <a:rPr lang="es-ES"/>
               <a:t>Quinto nivel</a:t>
             </a:r>
             <a:endParaRPr lang="es-MX"/>
@@ -2743,7 +2737,7 @@
           <a:p>
             <a:pPr lvl="0"/>
             <a:r>
-              <a:rPr lang="es-ES" smtClean="0"/>
+              <a:rPr lang="es-ES"/>
               <a:t>Haga clic para modificar el estilo de texto del patrón</a:t>
             </a:r>
           </a:p>
@@ -2766,7 +2760,7 @@
           <a:p>
             <a:fld id="{005BD863-90F7-46B4-97C8-ECF37E38BBEF}" type="datetimeFigureOut">
               <a:rPr lang="es-MX" smtClean="0"/>
-              <a:t>14/08/2020</a:t>
+              <a:t>24/01/2022</a:t>
             </a:fld>
             <a:endParaRPr lang="es-MX"/>
           </a:p>
@@ -2869,7 +2863,7 @@
           </a:lstStyle>
           <a:p>
             <a:r>
-              <a:rPr lang="es-ES" smtClean="0"/>
+              <a:rPr lang="es-ES"/>
               <a:t>Haga clic para modificar el estilo de título del patrón</a:t>
             </a:r>
             <a:endParaRPr lang="es-MX"/>
@@ -2996,7 +2990,7 @@
           <a:p>
             <a:pPr lvl="0"/>
             <a:r>
-              <a:rPr lang="es-ES" smtClean="0"/>
+              <a:rPr lang="es-ES"/>
               <a:t>Haga clic para modificar el estilo de texto del patrón</a:t>
             </a:r>
           </a:p>
@@ -3019,7 +3013,7 @@
           <a:p>
             <a:fld id="{005BD863-90F7-46B4-97C8-ECF37E38BBEF}" type="datetimeFigureOut">
               <a:rPr lang="es-MX" smtClean="0"/>
-              <a:t>14/08/2020</a:t>
+              <a:t>24/01/2022</a:t>
             </a:fld>
             <a:endParaRPr lang="es-MX"/>
           </a:p>
@@ -3128,7 +3122,7 @@
           <a:lstStyle/>
           <a:p>
             <a:r>
-              <a:rPr lang="es-ES" smtClean="0"/>
+              <a:rPr lang="es-ES"/>
               <a:t>Haga clic para modificar el estilo de título del patrón</a:t>
             </a:r>
             <a:endParaRPr lang="es-MX"/>
@@ -3162,35 +3156,35 @@
           <a:p>
             <a:pPr lvl="0"/>
             <a:r>
-              <a:rPr lang="es-ES" smtClean="0"/>
+              <a:rPr lang="es-ES"/>
               <a:t>Haga clic para modificar el estilo de texto del patrón</a:t>
             </a:r>
           </a:p>
           <a:p>
             <a:pPr lvl="1"/>
             <a:r>
-              <a:rPr lang="es-ES" smtClean="0"/>
+              <a:rPr lang="es-ES"/>
               <a:t>Segundo nivel</a:t>
             </a:r>
           </a:p>
           <a:p>
             <a:pPr lvl="2"/>
             <a:r>
-              <a:rPr lang="es-ES" smtClean="0"/>
+              <a:rPr lang="es-ES"/>
               <a:t>Tercer nivel</a:t>
             </a:r>
           </a:p>
           <a:p>
             <a:pPr lvl="3"/>
             <a:r>
-              <a:rPr lang="es-ES" smtClean="0"/>
+              <a:rPr lang="es-ES"/>
               <a:t>Cuarto nivel</a:t>
             </a:r>
           </a:p>
           <a:p>
             <a:pPr lvl="4"/>
             <a:r>
-              <a:rPr lang="es-ES" smtClean="0"/>
+              <a:rPr lang="es-ES"/>
               <a:t>Quinto nivel</a:t>
             </a:r>
             <a:endParaRPr lang="es-MX"/>
@@ -3232,7 +3226,7 @@
           <a:p>
             <a:fld id="{005BD863-90F7-46B4-97C8-ECF37E38BBEF}" type="datetimeFigureOut">
               <a:rPr lang="es-MX" smtClean="0"/>
-              <a:t>14/08/2020</a:t>
+              <a:t>24/01/2022</a:t>
             </a:fld>
             <a:endParaRPr lang="es-MX"/>
           </a:p>
@@ -3664,7 +3658,7 @@
               </a:lnSpc>
             </a:pPr>
             <a:r>
-              <a:rPr lang="es-MX" sz="2600" b="1" dirty="0" smtClean="0">
+              <a:rPr lang="es-MX" sz="2600" b="1" dirty="0">
                 <a:latin typeface="Arial" panose="020B0604020202020204" pitchFamily="34" charset="0"/>
                 <a:ea typeface="Calibri" panose="020F0502020204030204" pitchFamily="34" charset="0"/>
                 <a:cs typeface="Times New Roman" panose="02020603050405020304" pitchFamily="18" charset="0"/>
@@ -3679,7 +3673,7 @@
               </a:lnSpc>
             </a:pPr>
             <a:r>
-              <a:rPr lang="es-MX" sz="2000" b="1" dirty="0" smtClean="0">
+              <a:rPr lang="es-MX" sz="2000" b="1" dirty="0">
                 <a:latin typeface="Arial" panose="020B0604020202020204" pitchFamily="34" charset="0"/>
                 <a:ea typeface="Calibri" panose="020F0502020204030204" pitchFamily="34" charset="0"/>
                 <a:cs typeface="Times New Roman" panose="02020603050405020304" pitchFamily="18" charset="0"/>
@@ -3709,11 +3703,6 @@
               </a:rPr>
               <a:t> </a:t>
             </a:r>
-            <a:endParaRPr lang="es-MX" sz="1050" dirty="0" smtClean="0">
-              <a:latin typeface="Arial" panose="020B0604020202020204" pitchFamily="34" charset="0"/>
-              <a:ea typeface="Calibri" panose="020F0502020204030204" pitchFamily="34" charset="0"/>
-              <a:cs typeface="Times New Roman" panose="02020603050405020304" pitchFamily="18" charset="0"/>
-            </a:endParaRPr>
           </a:p>
           <a:p>
             <a:pPr algn="ctr">
@@ -3725,7 +3714,7 @@
               </a:spcAft>
             </a:pPr>
             <a:r>
-              <a:rPr lang="es-MX" sz="4000" b="1" dirty="0" smtClean="0">
+              <a:rPr lang="es-MX" sz="4000" b="1" dirty="0">
                 <a:solidFill>
                   <a:srgbClr val="A50021"/>
                 </a:solidFill>
@@ -3735,7 +3724,7 @@
               </a:rPr>
               <a:t>NOMBRE INSTALACIÓN</a:t>
             </a:r>
-            <a:endParaRPr lang="es-MX" sz="4000" dirty="0" smtClean="0">
+            <a:endParaRPr lang="es-MX" sz="4000" dirty="0">
               <a:solidFill>
                 <a:srgbClr val="A50021"/>
               </a:solidFill>
@@ -3793,18 +3782,13 @@
               <a:t> </a:t>
             </a:r>
             <a:r>
-              <a:rPr lang="es-MX" b="1" dirty="0" smtClean="0">
+              <a:rPr lang="es-MX" b="1" dirty="0">
                 <a:latin typeface="Arial" panose="020B0604020202020204" pitchFamily="34" charset="0"/>
                 <a:ea typeface="Calibri" panose="020F0502020204030204" pitchFamily="34" charset="0"/>
                 <a:cs typeface="Times New Roman" panose="02020603050405020304" pitchFamily="18" charset="0"/>
               </a:rPr>
               <a:t>Responsable Sanitario</a:t>
             </a:r>
-            <a:endParaRPr lang="es-MX" b="1" dirty="0">
-              <a:latin typeface="Arial" panose="020B0604020202020204" pitchFamily="34" charset="0"/>
-              <a:ea typeface="Calibri" panose="020F0502020204030204" pitchFamily="34" charset="0"/>
-              <a:cs typeface="Times New Roman" panose="02020603050405020304" pitchFamily="18" charset="0"/>
-            </a:endParaRPr>
           </a:p>
           <a:p>
             <a:pPr algn="ctr">
@@ -3816,7 +3800,7 @@
               </a:spcAft>
             </a:pPr>
             <a:r>
-              <a:rPr lang="es-MX" sz="2000" b="1" dirty="0" smtClean="0">
+              <a:rPr lang="es-MX" sz="2000" b="1" dirty="0">
                 <a:solidFill>
                   <a:srgbClr val="A50021"/>
                 </a:solidFill>
@@ -3826,14 +3810,6 @@
               </a:rPr>
               <a:t>Título. Nombre Completo</a:t>
             </a:r>
-            <a:endParaRPr lang="es-MX" sz="2000" b="1" dirty="0">
-              <a:solidFill>
-                <a:srgbClr val="A50021"/>
-              </a:solidFill>
-              <a:latin typeface="Arial" panose="020B0604020202020204" pitchFamily="34" charset="0"/>
-              <a:ea typeface="Calibri" panose="020F0502020204030204" pitchFamily="34" charset="0"/>
-              <a:cs typeface="Times New Roman" panose="02020603050405020304" pitchFamily="18" charset="0"/>
-            </a:endParaRPr>
           </a:p>
           <a:p>
             <a:pPr algn="ctr">
@@ -3866,7 +3842,7 @@
               <a:t> </a:t>
             </a:r>
             <a:r>
-              <a:rPr lang="es-MX" sz="2000" b="1" dirty="0" smtClean="0">
+              <a:rPr lang="es-MX" sz="2000" b="1" dirty="0">
                 <a:solidFill>
                   <a:srgbClr val="A50021"/>
                 </a:solidFill>
@@ -3876,14 +3852,6 @@
               </a:rPr>
               <a:t>11111111</a:t>
             </a:r>
-            <a:endParaRPr lang="es-MX" sz="2000" b="1" dirty="0">
-              <a:solidFill>
-                <a:srgbClr val="A50021"/>
-              </a:solidFill>
-              <a:latin typeface="Arial" panose="020B0604020202020204" pitchFamily="34" charset="0"/>
-              <a:ea typeface="Calibri" panose="020F0502020204030204" pitchFamily="34" charset="0"/>
-              <a:cs typeface="Times New Roman" panose="02020603050405020304" pitchFamily="18" charset="0"/>
-            </a:endParaRPr>
           </a:p>
           <a:p>
             <a:pPr algn="ctr">
@@ -3895,7 +3863,7 @@
               </a:spcAft>
             </a:pPr>
             <a:r>
-              <a:rPr lang="es-MX" b="1" dirty="0" smtClean="0">
+              <a:rPr lang="es-MX" b="1" dirty="0">
                 <a:latin typeface="Arial" panose="020B0604020202020204" pitchFamily="34" charset="0"/>
                 <a:ea typeface="Calibri" panose="020F0502020204030204" pitchFamily="34" charset="0"/>
                 <a:cs typeface="Times New Roman" panose="02020603050405020304" pitchFamily="18" charset="0"/>
@@ -3903,7 +3871,7 @@
               <a:t>Universidad </a:t>
             </a:r>
             <a:r>
-              <a:rPr lang="es-MX" sz="2000" b="1" dirty="0" smtClean="0">
+              <a:rPr lang="es-MX" sz="2000" b="1" dirty="0">
                 <a:solidFill>
                   <a:srgbClr val="A50021"/>
                 </a:solidFill>
@@ -3913,14 +3881,6 @@
               </a:rPr>
               <a:t>11111111</a:t>
             </a:r>
-            <a:endParaRPr lang="es-MX" sz="2000" b="1" dirty="0">
-              <a:solidFill>
-                <a:srgbClr val="A50021"/>
-              </a:solidFill>
-              <a:latin typeface="Arial" panose="020B0604020202020204" pitchFamily="34" charset="0"/>
-              <a:ea typeface="Calibri" panose="020F0502020204030204" pitchFamily="34" charset="0"/>
-              <a:cs typeface="Times New Roman" panose="02020603050405020304" pitchFamily="18" charset="0"/>
-            </a:endParaRPr>
           </a:p>
           <a:p>
             <a:pPr algn="ctr">
@@ -3932,7 +3892,7 @@
               </a:spcAft>
             </a:pPr>
             <a:r>
-              <a:rPr lang="es-MX" b="1" dirty="0" smtClean="0">
+              <a:rPr lang="es-MX" b="1" dirty="0">
                 <a:latin typeface="Arial" panose="020B0604020202020204" pitchFamily="34" charset="0"/>
                 <a:ea typeface="Calibri" panose="020F0502020204030204" pitchFamily="34" charset="0"/>
                 <a:cs typeface="Times New Roman" panose="02020603050405020304" pitchFamily="18" charset="0"/>
@@ -3940,7 +3900,7 @@
               <a:t>Horario</a:t>
             </a:r>
             <a:r>
-              <a:rPr lang="es-MX" dirty="0" smtClean="0">
+              <a:rPr lang="es-MX" dirty="0">
                 <a:solidFill>
                   <a:schemeClr val="accent1">
                     <a:lumMod val="75000"/>
@@ -3963,14 +3923,6 @@
               </a:rPr>
               <a:t>XXX días y XXX horas</a:t>
             </a:r>
-            <a:endParaRPr lang="es-MX" sz="2000" b="1" dirty="0">
-              <a:solidFill>
-                <a:srgbClr val="A50021"/>
-              </a:solidFill>
-              <a:latin typeface="Arial" panose="020B0604020202020204" pitchFamily="34" charset="0"/>
-              <a:ea typeface="Calibri" panose="020F0502020204030204" pitchFamily="34" charset="0"/>
-              <a:cs typeface="Times New Roman" panose="02020603050405020304" pitchFamily="18" charset="0"/>
-            </a:endParaRPr>
           </a:p>
         </p:txBody>
       </p:sp>
@@ -3984,13 +3936,6 @@
   <p:clrMapOvr>
     <a:masterClrMapping/>
   </p:clrMapOvr>
-  <p:timing>
-    <p:tnLst>
-      <p:par>
-        <p:cTn id="1" dur="indefinite" restart="never" nodeType="tmRoot"/>
-      </p:par>
-    </p:tnLst>
-  </p:timing>
 </p:sld>
 </file>
 
